--- a/Accidentalidad.pptx
+++ b/Accidentalidad.pptx
@@ -8,8 +8,10 @@
     <p:sldId id="256" r:id="rId2"/>
     <p:sldId id="257" r:id="rId3"/>
     <p:sldId id="258" r:id="rId4"/>
-    <p:sldId id="259" r:id="rId5"/>
-    <p:sldId id="260" r:id="rId6"/>
+    <p:sldId id="262" r:id="rId5"/>
+    <p:sldId id="259" r:id="rId6"/>
+    <p:sldId id="263" r:id="rId7"/>
+    <p:sldId id="261" r:id="rId8"/>
   </p:sldIdLst>
   <p:sldSz cx="12192000" cy="6858000"/>
   <p:notesSz cx="6858000" cy="9144000"/>
@@ -108,6 +110,11 @@
       </a:defRPr>
     </a:lvl9pPr>
   </p:defaultTextStyle>
+  <p:extLst>
+    <p:ext uri="{EFAFB233-063F-42B5-8137-9DF3F51BA10A}">
+      <p15:sldGuideLst xmlns:p15="http://schemas.microsoft.com/office/powerpoint/2012/main"/>
+    </p:ext>
+  </p:extLst>
 </p:presentation>
 </file>
 
@@ -6097,8 +6104,9 @@
                     </a:prstClr>
                   </a:outerShdw>
                 </a:effectLst>
-                <a:latin typeface="Cambria Math" panose="02040503050406030204" pitchFamily="18" charset="0"/>
+                <a:latin typeface="Calibri Light" panose="020F0302020204030204" pitchFamily="34" charset="0"/>
                 <a:ea typeface="Cambria Math" panose="02040503050406030204" pitchFamily="18" charset="0"/>
+                <a:cs typeface="Calibri Light" panose="020F0302020204030204" pitchFamily="34" charset="0"/>
               </a:rPr>
               <a:t>Accidentalidad en Madrid</a:t>
             </a:r>
@@ -6367,63 +6375,36 @@
           </a:p>
         </p:txBody>
       </p:sp>
-      <p:sp>
-        <p:nvSpPr>
-          <p:cNvPr id="11" name="CuadroTexto 10">
+      <p:pic>
+        <p:nvPicPr>
+          <p:cNvPr id="4" name="Imagen 3">
             <a:extLst>
               <a:ext uri="{FF2B5EF4-FFF2-40B4-BE49-F238E27FC236}">
-                <a16:creationId xmlns:a16="http://schemas.microsoft.com/office/drawing/2014/main" id="{3F135C72-332C-40A2-B050-33F1C0AD2E83}"/>
+                <a16:creationId xmlns:a16="http://schemas.microsoft.com/office/drawing/2014/main" id="{FF8BAC0B-36CD-4264-AE72-CB3C27E21D08}"/>
               </a:ext>
             </a:extLst>
           </p:cNvPr>
-          <p:cNvSpPr txBox="1"/>
+          <p:cNvPicPr>
+            <a:picLocks noChangeAspect="1"/>
+          </p:cNvPicPr>
           <p:nvPr/>
-        </p:nvSpPr>
-        <p:spPr>
-          <a:xfrm rot="21406389">
-            <a:off x="2249005" y="5060223"/>
-            <a:ext cx="1543889" cy="707886"/>
+        </p:nvPicPr>
+        <p:blipFill>
+          <a:blip r:embed="rId3"/>
+          <a:stretch>
+            <a:fillRect/>
+          </a:stretch>
+        </p:blipFill>
+        <p:spPr>
+          <a:xfrm rot="21410112">
+            <a:off x="1145287" y="4876383"/>
+            <a:ext cx="2096599" cy="1294108"/>
           </a:xfrm>
           <a:prstGeom prst="rect">
             <a:avLst/>
           </a:prstGeom>
-          <a:noFill/>
-        </p:spPr>
-        <p:txBody>
-          <a:bodyPr wrap="square" rtlCol="0">
-            <a:spAutoFit/>
-          </a:bodyPr>
-          <a:lstStyle/>
-          <a:p>
-            <a:r>
-              <a:rPr lang="es-ES" sz="4000" b="1" dirty="0">
-                <a:ln w="6600">
-                  <a:solidFill>
-                    <a:schemeClr val="accent2">
-                      <a:lumMod val="50000"/>
-                    </a:schemeClr>
-                  </a:solidFill>
-                  <a:prstDash val="solid"/>
-                </a:ln>
-                <a:solidFill>
-                  <a:schemeClr val="bg1"/>
-                </a:solidFill>
-                <a:effectLst>
-                  <a:outerShdw blurRad="50800" dist="38100" dir="2700000" algn="tl" rotWithShape="0">
-                    <a:prstClr val="black">
-                      <a:alpha val="40000"/>
-                    </a:prstClr>
-                  </a:outerShdw>
-                </a:effectLst>
-                <a:latin typeface="Cambria Math" panose="02040503050406030204" pitchFamily="18" charset="0"/>
-                <a:ea typeface="Cambria Math" panose="02040503050406030204" pitchFamily="18" charset="0"/>
-                <a:cs typeface="+mj-cs"/>
-              </a:rPr>
-              <a:t>Spark</a:t>
-            </a:r>
-          </a:p>
-        </p:txBody>
-      </p:sp>
+        </p:spPr>
+      </p:pic>
     </p:spTree>
     <p:extLst>
       <p:ext uri="{BB962C8B-B14F-4D97-AF65-F5344CB8AC3E}">
@@ -6470,37 +6451,42 @@
             <p:ph type="title"/>
           </p:nvPr>
         </p:nvSpPr>
-        <p:spPr/>
+        <p:spPr>
+          <a:xfrm>
+            <a:off x="683625" y="331450"/>
+            <a:ext cx="10396882" cy="1151965"/>
+          </a:xfrm>
+        </p:spPr>
         <p:txBody>
           <a:bodyPr/>
           <a:lstStyle/>
           <a:p>
-            <a:endParaRPr lang="es-ES"/>
-          </a:p>
-        </p:txBody>
-      </p:sp>
-      <p:sp>
-        <p:nvSpPr>
-          <p:cNvPr id="3" name="Marcador de contenido 2">
-            <a:extLst>
-              <a:ext uri="{FF2B5EF4-FFF2-40B4-BE49-F238E27FC236}">
-                <a16:creationId xmlns:a16="http://schemas.microsoft.com/office/drawing/2014/main" id="{601DF55E-38BC-4173-9016-38D87DCC8E6B}"/>
-              </a:ext>
-            </a:extLst>
-          </p:cNvPr>
-          <p:cNvSpPr>
-            <a:spLocks noGrp="1"/>
-          </p:cNvSpPr>
-          <p:nvPr>
-            <p:ph sz="quarter" idx="13"/>
-          </p:nvPr>
-        </p:nvSpPr>
-        <p:spPr/>
-        <p:txBody>
-          <a:bodyPr/>
-          <a:lstStyle/>
-          <a:p>
-            <a:endParaRPr lang="es-ES"/>
+            <a:r>
+              <a:rPr lang="es-ES" sz="6000" b="1" cap="none" dirty="0">
+                <a:ln w="6600">
+                  <a:solidFill>
+                    <a:schemeClr val="accent2">
+                      <a:lumMod val="50000"/>
+                    </a:schemeClr>
+                  </a:solidFill>
+                  <a:prstDash val="solid"/>
+                </a:ln>
+                <a:solidFill>
+                  <a:srgbClr val="629D7D"/>
+                </a:solidFill>
+                <a:effectLst>
+                  <a:outerShdw blurRad="50800" dist="38100" dir="2700000" algn="tl" rotWithShape="0">
+                    <a:prstClr val="black">
+                      <a:alpha val="40000"/>
+                    </a:prstClr>
+                  </a:outerShdw>
+                </a:effectLst>
+                <a:latin typeface="Calibri Light" panose="020F0302020204030204" pitchFamily="34" charset="0"/>
+                <a:ea typeface="Cambria Math" panose="02040503050406030204" pitchFamily="18" charset="0"/>
+                <a:cs typeface="Calibri Light" panose="020F0302020204030204" pitchFamily="34" charset="0"/>
+              </a:rPr>
+              <a:t>Interfaz</a:t>
+            </a:r>
           </a:p>
         </p:txBody>
       </p:sp>
@@ -6539,7 +6525,7 @@
           <p:cNvPr id="2" name="Título 1">
             <a:extLst>
               <a:ext uri="{FF2B5EF4-FFF2-40B4-BE49-F238E27FC236}">
-                <a16:creationId xmlns:a16="http://schemas.microsoft.com/office/drawing/2014/main" id="{1D6D017E-EA53-4605-925B-F59430A4CAA4}"/>
+                <a16:creationId xmlns:a16="http://schemas.microsoft.com/office/drawing/2014/main" id="{FEE9E26B-B64C-450C-BBAB-4AD37CD74DD3}"/>
               </a:ext>
             </a:extLst>
           </p:cNvPr>
@@ -6550,44 +6536,49 @@
             <p:ph type="title"/>
           </p:nvPr>
         </p:nvSpPr>
-        <p:spPr/>
+        <p:spPr>
+          <a:xfrm>
+            <a:off x="683625" y="331450"/>
+            <a:ext cx="10396882" cy="1151965"/>
+          </a:xfrm>
+        </p:spPr>
         <p:txBody>
           <a:bodyPr/>
           <a:lstStyle/>
           <a:p>
-            <a:endParaRPr lang="es-ES"/>
-          </a:p>
-        </p:txBody>
-      </p:sp>
-      <p:sp>
-        <p:nvSpPr>
-          <p:cNvPr id="3" name="Marcador de contenido 2">
-            <a:extLst>
-              <a:ext uri="{FF2B5EF4-FFF2-40B4-BE49-F238E27FC236}">
-                <a16:creationId xmlns:a16="http://schemas.microsoft.com/office/drawing/2014/main" id="{CDCDFA39-FDA6-44BF-AD0B-EF4FF526FF96}"/>
-              </a:ext>
-            </a:extLst>
-          </p:cNvPr>
-          <p:cNvSpPr>
-            <a:spLocks noGrp="1"/>
-          </p:cNvSpPr>
-          <p:nvPr>
-            <p:ph sz="quarter" idx="13"/>
-          </p:nvPr>
-        </p:nvSpPr>
-        <p:spPr/>
-        <p:txBody>
-          <a:bodyPr/>
-          <a:lstStyle/>
-          <a:p>
-            <a:endParaRPr lang="es-ES"/>
+            <a:r>
+              <a:rPr lang="es-ES" sz="6000" b="1" cap="none" dirty="0">
+                <a:ln w="6600">
+                  <a:solidFill>
+                    <a:schemeClr val="accent2">
+                      <a:lumMod val="50000"/>
+                    </a:schemeClr>
+                  </a:solidFill>
+                  <a:prstDash val="solid"/>
+                </a:ln>
+                <a:solidFill>
+                  <a:srgbClr val="629D7D"/>
+                </a:solidFill>
+                <a:effectLst>
+                  <a:outerShdw blurRad="50800" dist="38100" dir="2700000" algn="tl" rotWithShape="0">
+                    <a:prstClr val="black">
+                      <a:alpha val="40000"/>
+                    </a:prstClr>
+                  </a:outerShdw>
+                </a:effectLst>
+                <a:latin typeface="Calibri Light" panose="020F0302020204030204" pitchFamily="34" charset="0"/>
+                <a:ea typeface="Cambria Math" panose="02040503050406030204" pitchFamily="18" charset="0"/>
+                <a:cs typeface="Calibri Light" panose="020F0302020204030204" pitchFamily="34" charset="0"/>
+              </a:rPr>
+              <a:t>Menú</a:t>
+            </a:r>
           </a:p>
         </p:txBody>
       </p:sp>
     </p:spTree>
     <p:extLst>
       <p:ext uri="{BB962C8B-B14F-4D97-AF65-F5344CB8AC3E}">
-        <p14:creationId xmlns:p14="http://schemas.microsoft.com/office/powerpoint/2010/main" val="4195403435"/>
+        <p14:creationId xmlns:p14="http://schemas.microsoft.com/office/powerpoint/2010/main" val="2924915462"/>
       </p:ext>
     </p:extLst>
   </p:cSld>
@@ -6619,7 +6610,7 @@
           <p:cNvPr id="2" name="Título 1">
             <a:extLst>
               <a:ext uri="{FF2B5EF4-FFF2-40B4-BE49-F238E27FC236}">
-                <a16:creationId xmlns:a16="http://schemas.microsoft.com/office/drawing/2014/main" id="{6E7711D3-48CF-41F0-8870-4CE1E6D22873}"/>
+                <a16:creationId xmlns:a16="http://schemas.microsoft.com/office/drawing/2014/main" id="{FEE9E26B-B64C-450C-BBAB-4AD37CD74DD3}"/>
               </a:ext>
             </a:extLst>
           </p:cNvPr>
@@ -6630,44 +6621,49 @@
             <p:ph type="title"/>
           </p:nvPr>
         </p:nvSpPr>
-        <p:spPr/>
+        <p:spPr>
+          <a:xfrm>
+            <a:off x="683625" y="331450"/>
+            <a:ext cx="10396882" cy="1151965"/>
+          </a:xfrm>
+        </p:spPr>
         <p:txBody>
           <a:bodyPr/>
           <a:lstStyle/>
           <a:p>
-            <a:endParaRPr lang="es-ES"/>
-          </a:p>
-        </p:txBody>
-      </p:sp>
-      <p:sp>
-        <p:nvSpPr>
-          <p:cNvPr id="3" name="Marcador de contenido 2">
-            <a:extLst>
-              <a:ext uri="{FF2B5EF4-FFF2-40B4-BE49-F238E27FC236}">
-                <a16:creationId xmlns:a16="http://schemas.microsoft.com/office/drawing/2014/main" id="{1A1A8FF2-57B9-4C89-B587-0B0D6A2EB9E2}"/>
-              </a:ext>
-            </a:extLst>
-          </p:cNvPr>
-          <p:cNvSpPr>
-            <a:spLocks noGrp="1"/>
-          </p:cNvSpPr>
-          <p:nvPr>
-            <p:ph sz="quarter" idx="13"/>
-          </p:nvPr>
-        </p:nvSpPr>
-        <p:spPr/>
-        <p:txBody>
-          <a:bodyPr/>
-          <a:lstStyle/>
-          <a:p>
-            <a:endParaRPr lang="es-ES"/>
+            <a:r>
+              <a:rPr lang="es-ES" sz="6000" b="1" cap="none" dirty="0">
+                <a:ln w="6600">
+                  <a:solidFill>
+                    <a:schemeClr val="accent2">
+                      <a:lumMod val="50000"/>
+                    </a:schemeClr>
+                  </a:solidFill>
+                  <a:prstDash val="solid"/>
+                </a:ln>
+                <a:solidFill>
+                  <a:srgbClr val="629D7D"/>
+                </a:solidFill>
+                <a:effectLst>
+                  <a:outerShdw blurRad="50800" dist="38100" dir="2700000" algn="tl" rotWithShape="0">
+                    <a:prstClr val="black">
+                      <a:alpha val="40000"/>
+                    </a:prstClr>
+                  </a:outerShdw>
+                </a:effectLst>
+                <a:latin typeface="Calibri Light" panose="020F0302020204030204" pitchFamily="34" charset="0"/>
+                <a:ea typeface="Cambria Math" panose="02040503050406030204" pitchFamily="18" charset="0"/>
+                <a:cs typeface="Calibri Light" panose="020F0302020204030204" pitchFamily="34" charset="0"/>
+              </a:rPr>
+              <a:t>Modo de uso</a:t>
+            </a:r>
           </a:p>
         </p:txBody>
       </p:sp>
     </p:spTree>
     <p:extLst>
       <p:ext uri="{BB962C8B-B14F-4D97-AF65-F5344CB8AC3E}">
-        <p14:creationId xmlns:p14="http://schemas.microsoft.com/office/powerpoint/2010/main" val="3528812939"/>
+        <p14:creationId xmlns:p14="http://schemas.microsoft.com/office/powerpoint/2010/main" val="748483259"/>
       </p:ext>
     </p:extLst>
   </p:cSld>
@@ -6699,7 +6695,7 @@
           <p:cNvPr id="2" name="Título 1">
             <a:extLst>
               <a:ext uri="{FF2B5EF4-FFF2-40B4-BE49-F238E27FC236}">
-                <a16:creationId xmlns:a16="http://schemas.microsoft.com/office/drawing/2014/main" id="{4D7AE5AC-D56C-4C33-88DD-5E31D09B8DC9}"/>
+                <a16:creationId xmlns:a16="http://schemas.microsoft.com/office/drawing/2014/main" id="{FEE9E26B-B64C-450C-BBAB-4AD37CD74DD3}"/>
               </a:ext>
             </a:extLst>
           </p:cNvPr>
@@ -6710,44 +6706,317 @@
             <p:ph type="title"/>
           </p:nvPr>
         </p:nvSpPr>
-        <p:spPr/>
+        <p:spPr>
+          <a:xfrm>
+            <a:off x="683625" y="331450"/>
+            <a:ext cx="10396882" cy="1151965"/>
+          </a:xfrm>
+        </p:spPr>
         <p:txBody>
           <a:bodyPr/>
           <a:lstStyle/>
           <a:p>
-            <a:endParaRPr lang="es-ES"/>
-          </a:p>
-        </p:txBody>
-      </p:sp>
-      <p:sp>
-        <p:nvSpPr>
-          <p:cNvPr id="3" name="Marcador de contenido 2">
+            <a:r>
+              <a:rPr lang="es-ES" sz="6000" b="1" cap="none" dirty="0">
+                <a:ln w="6600">
+                  <a:solidFill>
+                    <a:schemeClr val="accent2">
+                      <a:lumMod val="50000"/>
+                    </a:schemeClr>
+                  </a:solidFill>
+                  <a:prstDash val="solid"/>
+                </a:ln>
+                <a:solidFill>
+                  <a:srgbClr val="629D7D"/>
+                </a:solidFill>
+                <a:effectLst>
+                  <a:outerShdw blurRad="50800" dist="38100" dir="2700000" algn="tl" rotWithShape="0">
+                    <a:prstClr val="black">
+                      <a:alpha val="40000"/>
+                    </a:prstClr>
+                  </a:outerShdw>
+                </a:effectLst>
+                <a:latin typeface="Calibri Light" panose="020F0302020204030204" pitchFamily="34" charset="0"/>
+                <a:ea typeface="Cambria Math" panose="02040503050406030204" pitchFamily="18" charset="0"/>
+                <a:cs typeface="Calibri Light" panose="020F0302020204030204" pitchFamily="34" charset="0"/>
+              </a:rPr>
+              <a:t>Página web</a:t>
+            </a:r>
+          </a:p>
+        </p:txBody>
+      </p:sp>
+      <p:sp>
+        <p:nvSpPr>
+          <p:cNvPr id="3" name="Rectángulo 2">
             <a:extLst>
               <a:ext uri="{FF2B5EF4-FFF2-40B4-BE49-F238E27FC236}">
-                <a16:creationId xmlns:a16="http://schemas.microsoft.com/office/drawing/2014/main" id="{3D02F36B-5B1E-48AE-AE5C-3E07583174FE}"/>
+                <a16:creationId xmlns:a16="http://schemas.microsoft.com/office/drawing/2014/main" id="{F1E2D239-1C1C-41F6-8765-2B2E4C48639B}"/>
               </a:ext>
             </a:extLst>
           </p:cNvPr>
-          <p:cNvSpPr>
-            <a:spLocks noGrp="1"/>
-          </p:cNvSpPr>
-          <p:nvPr>
-            <p:ph sz="quarter" idx="13"/>
-          </p:nvPr>
-        </p:nvSpPr>
-        <p:spPr/>
-        <p:txBody>
-          <a:bodyPr/>
+          <p:cNvSpPr/>
+          <p:nvPr/>
+        </p:nvSpPr>
+        <p:spPr>
+          <a:xfrm>
+            <a:off x="0" y="5618921"/>
+            <a:ext cx="11648660" cy="769441"/>
+          </a:xfrm>
+          <a:prstGeom prst="rect">
+            <a:avLst/>
+          </a:prstGeom>
+        </p:spPr>
+        <p:txBody>
+          <a:bodyPr wrap="square">
+            <a:spAutoFit/>
+          </a:bodyPr>
           <a:lstStyle/>
           <a:p>
-            <a:endParaRPr lang="es-ES"/>
+            <a:pPr algn="ctr"/>
+            <a:r>
+              <a:rPr lang="es-ES" sz="4400" b="1" dirty="0">
+                <a:ln w="6600">
+                  <a:solidFill>
+                    <a:schemeClr val="accent2">
+                      <a:lumMod val="50000"/>
+                    </a:schemeClr>
+                  </a:solidFill>
+                  <a:prstDash val="solid"/>
+                </a:ln>
+                <a:solidFill>
+                  <a:schemeClr val="bg1"/>
+                </a:solidFill>
+                <a:effectLst>
+                  <a:outerShdw blurRad="50800" dist="38100" dir="2700000" algn="tl" rotWithShape="0">
+                    <a:prstClr val="black">
+                      <a:alpha val="40000"/>
+                    </a:prstClr>
+                  </a:outerShdw>
+                </a:effectLst>
+                <a:latin typeface="Calibri Light" panose="020F0302020204030204" pitchFamily="34" charset="0"/>
+                <a:ea typeface="Cambria Math" panose="02040503050406030204" pitchFamily="18" charset="0"/>
+                <a:cs typeface="Calibri Light" panose="020F0302020204030204" pitchFamily="34" charset="0"/>
+              </a:rPr>
+              <a:t>https://artuyero.github.io/Cloud_BigData_UCM/</a:t>
+            </a:r>
           </a:p>
         </p:txBody>
       </p:sp>
     </p:spTree>
     <p:extLst>
       <p:ext uri="{BB962C8B-B14F-4D97-AF65-F5344CB8AC3E}">
-        <p14:creationId xmlns:p14="http://schemas.microsoft.com/office/powerpoint/2010/main" val="1085747020"/>
+        <p14:creationId xmlns:p14="http://schemas.microsoft.com/office/powerpoint/2010/main" val="1956688104"/>
+      </p:ext>
+    </p:extLst>
+  </p:cSld>
+  <p:clrMapOvr>
+    <a:masterClrMapping/>
+  </p:clrMapOvr>
+</p:sld>
+</file>
+
+<file path=ppt/slides/slide6.xml><?xml version="1.0" encoding="utf-8"?>
+<p:sld xmlns:a="http://schemas.openxmlformats.org/drawingml/2006/main" xmlns:r="http://schemas.openxmlformats.org/officeDocument/2006/relationships" xmlns:p="http://schemas.openxmlformats.org/presentationml/2006/main">
+  <p:cSld>
+    <p:spTree>
+      <p:nvGrpSpPr>
+        <p:cNvPr id="1" name=""/>
+        <p:cNvGrpSpPr/>
+        <p:nvPr/>
+      </p:nvGrpSpPr>
+      <p:grpSpPr>
+        <a:xfrm>
+          <a:off x="0" y="0"/>
+          <a:ext cx="0" cy="0"/>
+          <a:chOff x="0" y="0"/>
+          <a:chExt cx="0" cy="0"/>
+        </a:xfrm>
+      </p:grpSpPr>
+      <p:sp>
+        <p:nvSpPr>
+          <p:cNvPr id="2" name="Título 1">
+            <a:extLst>
+              <a:ext uri="{FF2B5EF4-FFF2-40B4-BE49-F238E27FC236}">
+                <a16:creationId xmlns:a16="http://schemas.microsoft.com/office/drawing/2014/main" id="{FEE9E26B-B64C-450C-BBAB-4AD37CD74DD3}"/>
+              </a:ext>
+            </a:extLst>
+          </p:cNvPr>
+          <p:cNvSpPr>
+            <a:spLocks noGrp="1"/>
+          </p:cNvSpPr>
+          <p:nvPr>
+            <p:ph type="title"/>
+          </p:nvPr>
+        </p:nvSpPr>
+        <p:spPr>
+          <a:xfrm>
+            <a:off x="1" y="0"/>
+            <a:ext cx="11966712" cy="6029739"/>
+          </a:xfrm>
+        </p:spPr>
+        <p:txBody>
+          <a:bodyPr/>
+          <a:lstStyle/>
+          <a:p>
+            <a:pPr algn="ctr"/>
+            <a:r>
+              <a:rPr lang="es-ES" sz="6000" b="1" cap="none" dirty="0">
+                <a:ln w="6600">
+                  <a:solidFill>
+                    <a:schemeClr val="accent2">
+                      <a:lumMod val="50000"/>
+                    </a:schemeClr>
+                  </a:solidFill>
+                  <a:prstDash val="solid"/>
+                </a:ln>
+                <a:solidFill>
+                  <a:srgbClr val="629D7D"/>
+                </a:solidFill>
+                <a:effectLst>
+                  <a:outerShdw blurRad="50800" dist="38100" dir="2700000" algn="tl" rotWithShape="0">
+                    <a:prstClr val="black">
+                      <a:alpha val="40000"/>
+                    </a:prstClr>
+                  </a:outerShdw>
+                </a:effectLst>
+                <a:latin typeface="Calibri Light" panose="020F0302020204030204" pitchFamily="34" charset="0"/>
+                <a:ea typeface="Cambria Math" panose="02040503050406030204" pitchFamily="18" charset="0"/>
+                <a:cs typeface="Calibri Light" panose="020F0302020204030204" pitchFamily="34" charset="0"/>
+              </a:rPr>
+              <a:t>Ejemplo práctico</a:t>
+            </a:r>
+          </a:p>
+        </p:txBody>
+      </p:sp>
+    </p:spTree>
+    <p:extLst>
+      <p:ext uri="{BB962C8B-B14F-4D97-AF65-F5344CB8AC3E}">
+        <p14:creationId xmlns:p14="http://schemas.microsoft.com/office/powerpoint/2010/main" val="1911831238"/>
+      </p:ext>
+    </p:extLst>
+  </p:cSld>
+  <p:clrMapOvr>
+    <a:masterClrMapping/>
+  </p:clrMapOvr>
+</p:sld>
+</file>
+
+<file path=ppt/slides/slide7.xml><?xml version="1.0" encoding="utf-8"?>
+<p:sld xmlns:a="http://schemas.openxmlformats.org/drawingml/2006/main" xmlns:r="http://schemas.openxmlformats.org/officeDocument/2006/relationships" xmlns:p="http://schemas.openxmlformats.org/presentationml/2006/main">
+  <p:cSld>
+    <p:spTree>
+      <p:nvGrpSpPr>
+        <p:cNvPr id="1" name=""/>
+        <p:cNvGrpSpPr/>
+        <p:nvPr/>
+      </p:nvGrpSpPr>
+      <p:grpSpPr>
+        <a:xfrm>
+          <a:off x="0" y="0"/>
+          <a:ext cx="0" cy="0"/>
+          <a:chOff x="0" y="0"/>
+          <a:chExt cx="0" cy="0"/>
+        </a:xfrm>
+      </p:grpSpPr>
+      <p:sp>
+        <p:nvSpPr>
+          <p:cNvPr id="2" name="Título 1">
+            <a:extLst>
+              <a:ext uri="{FF2B5EF4-FFF2-40B4-BE49-F238E27FC236}">
+                <a16:creationId xmlns:a16="http://schemas.microsoft.com/office/drawing/2014/main" id="{FEE9E26B-B64C-450C-BBAB-4AD37CD74DD3}"/>
+              </a:ext>
+            </a:extLst>
+          </p:cNvPr>
+          <p:cNvSpPr>
+            <a:spLocks noGrp="1"/>
+          </p:cNvSpPr>
+          <p:nvPr>
+            <p:ph type="title"/>
+          </p:nvPr>
+        </p:nvSpPr>
+        <p:spPr>
+          <a:xfrm>
+            <a:off x="683625" y="331450"/>
+            <a:ext cx="10396882" cy="1151965"/>
+          </a:xfrm>
+        </p:spPr>
+        <p:txBody>
+          <a:bodyPr/>
+          <a:lstStyle/>
+          <a:p>
+            <a:r>
+              <a:rPr lang="es-ES" sz="6000" b="1" cap="none" dirty="0">
+                <a:ln w="6600">
+                  <a:solidFill>
+                    <a:schemeClr val="accent2">
+                      <a:lumMod val="50000"/>
+                    </a:schemeClr>
+                  </a:solidFill>
+                  <a:prstDash val="solid"/>
+                </a:ln>
+                <a:solidFill>
+                  <a:srgbClr val="629D7D"/>
+                </a:solidFill>
+                <a:effectLst>
+                  <a:outerShdw blurRad="50800" dist="38100" dir="2700000" algn="tl" rotWithShape="0">
+                    <a:prstClr val="black">
+                      <a:alpha val="40000"/>
+                    </a:prstClr>
+                  </a:outerShdw>
+                </a:effectLst>
+                <a:latin typeface="Calibri Light" panose="020F0302020204030204" pitchFamily="34" charset="0"/>
+                <a:ea typeface="Cambria Math" panose="02040503050406030204" pitchFamily="18" charset="0"/>
+                <a:cs typeface="Calibri Light" panose="020F0302020204030204" pitchFamily="34" charset="0"/>
+              </a:rPr>
+              <a:t>Preguntas</a:t>
+            </a:r>
+          </a:p>
+        </p:txBody>
+      </p:sp>
+      <p:pic>
+        <p:nvPicPr>
+          <p:cNvPr id="4" name="Imagen 3">
+            <a:extLst>
+              <a:ext uri="{FF2B5EF4-FFF2-40B4-BE49-F238E27FC236}">
+                <a16:creationId xmlns:a16="http://schemas.microsoft.com/office/drawing/2014/main" id="{E9C863C8-A022-4D6C-80D5-AD662278CF64}"/>
+              </a:ext>
+            </a:extLst>
+          </p:cNvPr>
+          <p:cNvPicPr>
+            <a:picLocks noChangeAspect="1"/>
+          </p:cNvPicPr>
+          <p:nvPr/>
+        </p:nvPicPr>
+        <p:blipFill>
+          <a:blip r:embed="rId2"/>
+          <a:stretch>
+            <a:fillRect/>
+          </a:stretch>
+        </p:blipFill>
+        <p:spPr>
+          <a:xfrm>
+            <a:off x="3841296" y="1483415"/>
+            <a:ext cx="3516923" cy="3516923"/>
+          </a:xfrm>
+          <a:prstGeom prst="rect">
+            <a:avLst/>
+          </a:prstGeom>
+          <a:ln>
+            <a:noFill/>
+          </a:ln>
+          <a:effectLst>
+            <a:outerShdw blurRad="292100" dist="139700" dir="2700000" algn="tl" rotWithShape="0">
+              <a:srgbClr val="333333">
+                <a:alpha val="65000"/>
+              </a:srgbClr>
+            </a:outerShdw>
+          </a:effectLst>
+        </p:spPr>
+      </p:pic>
+    </p:spTree>
+    <p:extLst>
+      <p:ext uri="{BB962C8B-B14F-4D97-AF65-F5344CB8AC3E}">
+        <p14:creationId xmlns:p14="http://schemas.microsoft.com/office/powerpoint/2010/main" val="391036419"/>
       </p:ext>
     </p:extLst>
   </p:cSld>
